--- a/ppt 16-9/1187.我和我的家.pptx
+++ b/ppt 16-9/1187.我和我的家.pptx
@@ -129,7 +129,7 @@
           <p:cNvPr id="2" name="标题 1">
             <a:extLst>
               <a:ext uri="{FF2B5EF4-FFF2-40B4-BE49-F238E27FC236}">
-                <a16:creationId xmlns:a16="http://schemas.microsoft.com/office/drawing/2014/main" id="{06D90B0C-9296-4978-4FE1-AEC139E1BAD4}"/>
+                <a16:creationId xmlns:a16="http://schemas.microsoft.com/office/drawing/2014/main" id="{CA5F984B-4B56-E8BF-F1C3-B5705B737FEA}"/>
               </a:ext>
             </a:extLst>
           </p:cNvPr>
@@ -166,7 +166,7 @@
           <p:cNvPr id="3" name="副标题 2">
             <a:extLst>
               <a:ext uri="{FF2B5EF4-FFF2-40B4-BE49-F238E27FC236}">
-                <a16:creationId xmlns:a16="http://schemas.microsoft.com/office/drawing/2014/main" id="{634D2101-71D2-E9EA-9A35-957BCF066642}"/>
+                <a16:creationId xmlns:a16="http://schemas.microsoft.com/office/drawing/2014/main" id="{8EF45391-A788-1D4A-7D9A-FE21326378D5}"/>
               </a:ext>
             </a:extLst>
           </p:cNvPr>
@@ -236,7 +236,7 @@
           <p:cNvPr id="4" name="日期占位符 3">
             <a:extLst>
               <a:ext uri="{FF2B5EF4-FFF2-40B4-BE49-F238E27FC236}">
-                <a16:creationId xmlns:a16="http://schemas.microsoft.com/office/drawing/2014/main" id="{E79B2AB7-838B-88C3-E88F-003D81F286C1}"/>
+                <a16:creationId xmlns:a16="http://schemas.microsoft.com/office/drawing/2014/main" id="{56D19BE1-A05F-D615-C632-E5DE873FDBFD}"/>
               </a:ext>
             </a:extLst>
           </p:cNvPr>
@@ -252,7 +252,7 @@
           <a:bodyPr/>
           <a:lstStyle/>
           <a:p>
-            <a:fld id="{D565CCC6-E171-4D13-B9F9-7D1475FA9A7D}" type="datetimeFigureOut">
+            <a:fld id="{7F71A567-575A-4707-8B9C-734C1C5BFB32}" type="datetimeFigureOut">
               <a:rPr lang="zh-CN" altLang="en-US" smtClean="0"/>
               <a:t>2024/3/10</a:t>
             </a:fld>
@@ -265,7 +265,7 @@
           <p:cNvPr id="5" name="页脚占位符 4">
             <a:extLst>
               <a:ext uri="{FF2B5EF4-FFF2-40B4-BE49-F238E27FC236}">
-                <a16:creationId xmlns:a16="http://schemas.microsoft.com/office/drawing/2014/main" id="{608591B1-C0FE-8A20-0EBD-5D8CCF68AE5E}"/>
+                <a16:creationId xmlns:a16="http://schemas.microsoft.com/office/drawing/2014/main" id="{4EB44DA2-E339-CE8A-5C03-0E80534560B9}"/>
               </a:ext>
             </a:extLst>
           </p:cNvPr>
@@ -290,7 +290,7 @@
           <p:cNvPr id="6" name="灯片编号占位符 5">
             <a:extLst>
               <a:ext uri="{FF2B5EF4-FFF2-40B4-BE49-F238E27FC236}">
-                <a16:creationId xmlns:a16="http://schemas.microsoft.com/office/drawing/2014/main" id="{4B530BC3-0E35-FB70-71E9-E6D90A5B808F}"/>
+                <a16:creationId xmlns:a16="http://schemas.microsoft.com/office/drawing/2014/main" id="{A0BE2193-B19D-1516-6879-F4785640F9E3}"/>
               </a:ext>
             </a:extLst>
           </p:cNvPr>
@@ -306,7 +306,7 @@
           <a:bodyPr/>
           <a:lstStyle/>
           <a:p>
-            <a:fld id="{30D9080D-579D-4D14-87EE-33BF5327FEEC}" type="slidenum">
+            <a:fld id="{C3B73EED-1DA1-45BD-A2A8-B3B91B4BB1DB}" type="slidenum">
               <a:rPr lang="zh-CN" altLang="en-US" smtClean="0"/>
               <a:t>‹#›</a:t>
             </a:fld>
@@ -317,7 +317,7 @@
     </p:spTree>
     <p:extLst>
       <p:ext uri="{BB962C8B-B14F-4D97-AF65-F5344CB8AC3E}">
-        <p14:creationId xmlns:p14="http://schemas.microsoft.com/office/powerpoint/2010/main" val="4223060858"/>
+        <p14:creationId xmlns:p14="http://schemas.microsoft.com/office/powerpoint/2010/main" val="4051286571"/>
       </p:ext>
     </p:extLst>
   </p:cSld>
@@ -349,7 +349,7 @@
           <p:cNvPr id="2" name="标题 1">
             <a:extLst>
               <a:ext uri="{FF2B5EF4-FFF2-40B4-BE49-F238E27FC236}">
-                <a16:creationId xmlns:a16="http://schemas.microsoft.com/office/drawing/2014/main" id="{0B97C87E-4BB9-6716-F004-779436F93FA5}"/>
+                <a16:creationId xmlns:a16="http://schemas.microsoft.com/office/drawing/2014/main" id="{F36C899B-B002-FA8E-B0E2-CC6DB265E254}"/>
               </a:ext>
             </a:extLst>
           </p:cNvPr>
@@ -377,7 +377,7 @@
           <p:cNvPr id="3" name="竖排文字占位符 2">
             <a:extLst>
               <a:ext uri="{FF2B5EF4-FFF2-40B4-BE49-F238E27FC236}">
-                <a16:creationId xmlns:a16="http://schemas.microsoft.com/office/drawing/2014/main" id="{B0F99A33-31F8-5401-05EE-CAD4720FAC30}"/>
+                <a16:creationId xmlns:a16="http://schemas.microsoft.com/office/drawing/2014/main" id="{EFDF8872-4D03-C70B-5384-52A4206DA32C}"/>
               </a:ext>
             </a:extLst>
           </p:cNvPr>
@@ -434,7 +434,7 @@
           <p:cNvPr id="4" name="日期占位符 3">
             <a:extLst>
               <a:ext uri="{FF2B5EF4-FFF2-40B4-BE49-F238E27FC236}">
-                <a16:creationId xmlns:a16="http://schemas.microsoft.com/office/drawing/2014/main" id="{484B62C1-97FC-9241-8B2F-6B2EF4487BC4}"/>
+                <a16:creationId xmlns:a16="http://schemas.microsoft.com/office/drawing/2014/main" id="{A15522BB-72EB-EC98-6380-57E309962D91}"/>
               </a:ext>
             </a:extLst>
           </p:cNvPr>
@@ -450,7 +450,7 @@
           <a:bodyPr/>
           <a:lstStyle/>
           <a:p>
-            <a:fld id="{D565CCC6-E171-4D13-B9F9-7D1475FA9A7D}" type="datetimeFigureOut">
+            <a:fld id="{7F71A567-575A-4707-8B9C-734C1C5BFB32}" type="datetimeFigureOut">
               <a:rPr lang="zh-CN" altLang="en-US" smtClean="0"/>
               <a:t>2024/3/10</a:t>
             </a:fld>
@@ -463,7 +463,7 @@
           <p:cNvPr id="5" name="页脚占位符 4">
             <a:extLst>
               <a:ext uri="{FF2B5EF4-FFF2-40B4-BE49-F238E27FC236}">
-                <a16:creationId xmlns:a16="http://schemas.microsoft.com/office/drawing/2014/main" id="{375491E2-FF2B-45C7-3C84-E4DC42B5BB08}"/>
+                <a16:creationId xmlns:a16="http://schemas.microsoft.com/office/drawing/2014/main" id="{88492820-A9CC-16FE-EED6-7C8826CECAE4}"/>
               </a:ext>
             </a:extLst>
           </p:cNvPr>
@@ -488,7 +488,7 @@
           <p:cNvPr id="6" name="灯片编号占位符 5">
             <a:extLst>
               <a:ext uri="{FF2B5EF4-FFF2-40B4-BE49-F238E27FC236}">
-                <a16:creationId xmlns:a16="http://schemas.microsoft.com/office/drawing/2014/main" id="{96CD8FE0-B3D2-D25A-36D0-84A34EB1DC4D}"/>
+                <a16:creationId xmlns:a16="http://schemas.microsoft.com/office/drawing/2014/main" id="{2B82A113-3B00-48AA-B616-440E64720327}"/>
               </a:ext>
             </a:extLst>
           </p:cNvPr>
@@ -504,7 +504,7 @@
           <a:bodyPr/>
           <a:lstStyle/>
           <a:p>
-            <a:fld id="{30D9080D-579D-4D14-87EE-33BF5327FEEC}" type="slidenum">
+            <a:fld id="{C3B73EED-1DA1-45BD-A2A8-B3B91B4BB1DB}" type="slidenum">
               <a:rPr lang="zh-CN" altLang="en-US" smtClean="0"/>
               <a:t>‹#›</a:t>
             </a:fld>
@@ -515,7 +515,7 @@
     </p:spTree>
     <p:extLst>
       <p:ext uri="{BB962C8B-B14F-4D97-AF65-F5344CB8AC3E}">
-        <p14:creationId xmlns:p14="http://schemas.microsoft.com/office/powerpoint/2010/main" val="1831600574"/>
+        <p14:creationId xmlns:p14="http://schemas.microsoft.com/office/powerpoint/2010/main" val="3392146495"/>
       </p:ext>
     </p:extLst>
   </p:cSld>
@@ -547,7 +547,7 @@
           <p:cNvPr id="2" name="竖排标题 1">
             <a:extLst>
               <a:ext uri="{FF2B5EF4-FFF2-40B4-BE49-F238E27FC236}">
-                <a16:creationId xmlns:a16="http://schemas.microsoft.com/office/drawing/2014/main" id="{4A3F81C5-B15E-C9FA-F89B-870B1E2A0066}"/>
+                <a16:creationId xmlns:a16="http://schemas.microsoft.com/office/drawing/2014/main" id="{2F44C028-0E90-F55C-AAA2-CC4BC9B19175}"/>
               </a:ext>
             </a:extLst>
           </p:cNvPr>
@@ -580,7 +580,7 @@
           <p:cNvPr id="3" name="竖排文字占位符 2">
             <a:extLst>
               <a:ext uri="{FF2B5EF4-FFF2-40B4-BE49-F238E27FC236}">
-                <a16:creationId xmlns:a16="http://schemas.microsoft.com/office/drawing/2014/main" id="{7962FBAC-B68F-E181-D3B5-8C082EBCE54F}"/>
+                <a16:creationId xmlns:a16="http://schemas.microsoft.com/office/drawing/2014/main" id="{DDCA9273-E642-FA1A-5B08-A6B6CCAAE7E8}"/>
               </a:ext>
             </a:extLst>
           </p:cNvPr>
@@ -642,7 +642,7 @@
           <p:cNvPr id="4" name="日期占位符 3">
             <a:extLst>
               <a:ext uri="{FF2B5EF4-FFF2-40B4-BE49-F238E27FC236}">
-                <a16:creationId xmlns:a16="http://schemas.microsoft.com/office/drawing/2014/main" id="{C5D7EA46-9781-9E88-7214-3B9074798B20}"/>
+                <a16:creationId xmlns:a16="http://schemas.microsoft.com/office/drawing/2014/main" id="{8BFEFD4F-0B4D-5118-B257-509ACCCCC025}"/>
               </a:ext>
             </a:extLst>
           </p:cNvPr>
@@ -658,7 +658,7 @@
           <a:bodyPr/>
           <a:lstStyle/>
           <a:p>
-            <a:fld id="{D565CCC6-E171-4D13-B9F9-7D1475FA9A7D}" type="datetimeFigureOut">
+            <a:fld id="{7F71A567-575A-4707-8B9C-734C1C5BFB32}" type="datetimeFigureOut">
               <a:rPr lang="zh-CN" altLang="en-US" smtClean="0"/>
               <a:t>2024/3/10</a:t>
             </a:fld>
@@ -671,7 +671,7 @@
           <p:cNvPr id="5" name="页脚占位符 4">
             <a:extLst>
               <a:ext uri="{FF2B5EF4-FFF2-40B4-BE49-F238E27FC236}">
-                <a16:creationId xmlns:a16="http://schemas.microsoft.com/office/drawing/2014/main" id="{D227256D-28EA-7241-D0F4-87884E86E2E1}"/>
+                <a16:creationId xmlns:a16="http://schemas.microsoft.com/office/drawing/2014/main" id="{AC891703-9F2C-5DE9-531F-A1414C0B1045}"/>
               </a:ext>
             </a:extLst>
           </p:cNvPr>
@@ -696,7 +696,7 @@
           <p:cNvPr id="6" name="灯片编号占位符 5">
             <a:extLst>
               <a:ext uri="{FF2B5EF4-FFF2-40B4-BE49-F238E27FC236}">
-                <a16:creationId xmlns:a16="http://schemas.microsoft.com/office/drawing/2014/main" id="{A1F9CABE-8E2D-9F0E-6325-804EEDE58798}"/>
+                <a16:creationId xmlns:a16="http://schemas.microsoft.com/office/drawing/2014/main" id="{D1F68627-9015-5DB4-A328-7963A7B5FE02}"/>
               </a:ext>
             </a:extLst>
           </p:cNvPr>
@@ -712,7 +712,7 @@
           <a:bodyPr/>
           <a:lstStyle/>
           <a:p>
-            <a:fld id="{30D9080D-579D-4D14-87EE-33BF5327FEEC}" type="slidenum">
+            <a:fld id="{C3B73EED-1DA1-45BD-A2A8-B3B91B4BB1DB}" type="slidenum">
               <a:rPr lang="zh-CN" altLang="en-US" smtClean="0"/>
               <a:t>‹#›</a:t>
             </a:fld>
@@ -723,7 +723,7 @@
     </p:spTree>
     <p:extLst>
       <p:ext uri="{BB962C8B-B14F-4D97-AF65-F5344CB8AC3E}">
-        <p14:creationId xmlns:p14="http://schemas.microsoft.com/office/powerpoint/2010/main" val="2709148160"/>
+        <p14:creationId xmlns:p14="http://schemas.microsoft.com/office/powerpoint/2010/main" val="3429631933"/>
       </p:ext>
     </p:extLst>
   </p:cSld>
@@ -755,7 +755,7 @@
           <p:cNvPr id="2" name="标题 1">
             <a:extLst>
               <a:ext uri="{FF2B5EF4-FFF2-40B4-BE49-F238E27FC236}">
-                <a16:creationId xmlns:a16="http://schemas.microsoft.com/office/drawing/2014/main" id="{D558BD0E-409E-0494-48FC-93CBF6A0AC98}"/>
+                <a16:creationId xmlns:a16="http://schemas.microsoft.com/office/drawing/2014/main" id="{88299A9F-5FEA-6260-C730-60BBA5C7F762}"/>
               </a:ext>
             </a:extLst>
           </p:cNvPr>
@@ -783,7 +783,7 @@
           <p:cNvPr id="3" name="内容占位符 2">
             <a:extLst>
               <a:ext uri="{FF2B5EF4-FFF2-40B4-BE49-F238E27FC236}">
-                <a16:creationId xmlns:a16="http://schemas.microsoft.com/office/drawing/2014/main" id="{FAC078A9-616C-5D63-2AAB-8C2C70D5979F}"/>
+                <a16:creationId xmlns:a16="http://schemas.microsoft.com/office/drawing/2014/main" id="{A52C3B4D-24FC-5372-3CFE-499EBBC7AA25}"/>
               </a:ext>
             </a:extLst>
           </p:cNvPr>
@@ -840,7 +840,7 @@
           <p:cNvPr id="4" name="日期占位符 3">
             <a:extLst>
               <a:ext uri="{FF2B5EF4-FFF2-40B4-BE49-F238E27FC236}">
-                <a16:creationId xmlns:a16="http://schemas.microsoft.com/office/drawing/2014/main" id="{4AB5EC2D-9A8C-F1F8-F96A-4D5E7E95F17A}"/>
+                <a16:creationId xmlns:a16="http://schemas.microsoft.com/office/drawing/2014/main" id="{C22C0565-2B1E-D7A0-D062-E9B671309BBD}"/>
               </a:ext>
             </a:extLst>
           </p:cNvPr>
@@ -856,7 +856,7 @@
           <a:bodyPr/>
           <a:lstStyle/>
           <a:p>
-            <a:fld id="{D565CCC6-E171-4D13-B9F9-7D1475FA9A7D}" type="datetimeFigureOut">
+            <a:fld id="{7F71A567-575A-4707-8B9C-734C1C5BFB32}" type="datetimeFigureOut">
               <a:rPr lang="zh-CN" altLang="en-US" smtClean="0"/>
               <a:t>2024/3/10</a:t>
             </a:fld>
@@ -869,7 +869,7 @@
           <p:cNvPr id="5" name="页脚占位符 4">
             <a:extLst>
               <a:ext uri="{FF2B5EF4-FFF2-40B4-BE49-F238E27FC236}">
-                <a16:creationId xmlns:a16="http://schemas.microsoft.com/office/drawing/2014/main" id="{A8E4EA06-2186-809C-19F9-920B563A69D0}"/>
+                <a16:creationId xmlns:a16="http://schemas.microsoft.com/office/drawing/2014/main" id="{9B6B3703-64C2-D2AE-A2F3-FBB2831A1E0D}"/>
               </a:ext>
             </a:extLst>
           </p:cNvPr>
@@ -894,7 +894,7 @@
           <p:cNvPr id="6" name="灯片编号占位符 5">
             <a:extLst>
               <a:ext uri="{FF2B5EF4-FFF2-40B4-BE49-F238E27FC236}">
-                <a16:creationId xmlns:a16="http://schemas.microsoft.com/office/drawing/2014/main" id="{B5FC7D6E-BE2A-6F4E-3935-5F3D881C0E9D}"/>
+                <a16:creationId xmlns:a16="http://schemas.microsoft.com/office/drawing/2014/main" id="{713FDFFA-2397-D373-A4FC-AF2C300C66C1}"/>
               </a:ext>
             </a:extLst>
           </p:cNvPr>
@@ -910,7 +910,7 @@
           <a:bodyPr/>
           <a:lstStyle/>
           <a:p>
-            <a:fld id="{30D9080D-579D-4D14-87EE-33BF5327FEEC}" type="slidenum">
+            <a:fld id="{C3B73EED-1DA1-45BD-A2A8-B3B91B4BB1DB}" type="slidenum">
               <a:rPr lang="zh-CN" altLang="en-US" smtClean="0"/>
               <a:t>‹#›</a:t>
             </a:fld>
@@ -921,7 +921,7 @@
     </p:spTree>
     <p:extLst>
       <p:ext uri="{BB962C8B-B14F-4D97-AF65-F5344CB8AC3E}">
-        <p14:creationId xmlns:p14="http://schemas.microsoft.com/office/powerpoint/2010/main" val="3145661363"/>
+        <p14:creationId xmlns:p14="http://schemas.microsoft.com/office/powerpoint/2010/main" val="4130397144"/>
       </p:ext>
     </p:extLst>
   </p:cSld>
@@ -953,7 +953,7 @@
           <p:cNvPr id="2" name="标题 1">
             <a:extLst>
               <a:ext uri="{FF2B5EF4-FFF2-40B4-BE49-F238E27FC236}">
-                <a16:creationId xmlns:a16="http://schemas.microsoft.com/office/drawing/2014/main" id="{B6031DAA-6C5A-FE64-E422-E37F41607C88}"/>
+                <a16:creationId xmlns:a16="http://schemas.microsoft.com/office/drawing/2014/main" id="{51E9BDFC-0995-74E7-6BA9-816E9ADB7560}"/>
               </a:ext>
             </a:extLst>
           </p:cNvPr>
@@ -990,7 +990,7 @@
           <p:cNvPr id="3" name="文本占位符 2">
             <a:extLst>
               <a:ext uri="{FF2B5EF4-FFF2-40B4-BE49-F238E27FC236}">
-                <a16:creationId xmlns:a16="http://schemas.microsoft.com/office/drawing/2014/main" id="{2A0606ED-864F-2162-99FB-D1D4B404490C}"/>
+                <a16:creationId xmlns:a16="http://schemas.microsoft.com/office/drawing/2014/main" id="{82147EC5-2101-2F71-599D-895FAAD421A4}"/>
               </a:ext>
             </a:extLst>
           </p:cNvPr>
@@ -1115,7 +1115,7 @@
           <p:cNvPr id="4" name="日期占位符 3">
             <a:extLst>
               <a:ext uri="{FF2B5EF4-FFF2-40B4-BE49-F238E27FC236}">
-                <a16:creationId xmlns:a16="http://schemas.microsoft.com/office/drawing/2014/main" id="{111CCA54-3813-1633-6294-7C74F7B4D8F8}"/>
+                <a16:creationId xmlns:a16="http://schemas.microsoft.com/office/drawing/2014/main" id="{68C56E99-6B7B-4DCB-D9EA-B61AC02E19EF}"/>
               </a:ext>
             </a:extLst>
           </p:cNvPr>
@@ -1131,7 +1131,7 @@
           <a:bodyPr/>
           <a:lstStyle/>
           <a:p>
-            <a:fld id="{D565CCC6-E171-4D13-B9F9-7D1475FA9A7D}" type="datetimeFigureOut">
+            <a:fld id="{7F71A567-575A-4707-8B9C-734C1C5BFB32}" type="datetimeFigureOut">
               <a:rPr lang="zh-CN" altLang="en-US" smtClean="0"/>
               <a:t>2024/3/10</a:t>
             </a:fld>
@@ -1144,7 +1144,7 @@
           <p:cNvPr id="5" name="页脚占位符 4">
             <a:extLst>
               <a:ext uri="{FF2B5EF4-FFF2-40B4-BE49-F238E27FC236}">
-                <a16:creationId xmlns:a16="http://schemas.microsoft.com/office/drawing/2014/main" id="{E1566A08-15CE-3B51-9891-AAA88BD7FD1B}"/>
+                <a16:creationId xmlns:a16="http://schemas.microsoft.com/office/drawing/2014/main" id="{2EE204B7-8868-76FF-DF6E-C88A2F35BBBA}"/>
               </a:ext>
             </a:extLst>
           </p:cNvPr>
@@ -1169,7 +1169,7 @@
           <p:cNvPr id="6" name="灯片编号占位符 5">
             <a:extLst>
               <a:ext uri="{FF2B5EF4-FFF2-40B4-BE49-F238E27FC236}">
-                <a16:creationId xmlns:a16="http://schemas.microsoft.com/office/drawing/2014/main" id="{CD868750-AA27-9050-227F-FC77590FFD21}"/>
+                <a16:creationId xmlns:a16="http://schemas.microsoft.com/office/drawing/2014/main" id="{8653E9A2-5E68-B081-C81E-33916E2EFB93}"/>
               </a:ext>
             </a:extLst>
           </p:cNvPr>
@@ -1185,7 +1185,7 @@
           <a:bodyPr/>
           <a:lstStyle/>
           <a:p>
-            <a:fld id="{30D9080D-579D-4D14-87EE-33BF5327FEEC}" type="slidenum">
+            <a:fld id="{C3B73EED-1DA1-45BD-A2A8-B3B91B4BB1DB}" type="slidenum">
               <a:rPr lang="zh-CN" altLang="en-US" smtClean="0"/>
               <a:t>‹#›</a:t>
             </a:fld>
@@ -1196,7 +1196,7 @@
     </p:spTree>
     <p:extLst>
       <p:ext uri="{BB962C8B-B14F-4D97-AF65-F5344CB8AC3E}">
-        <p14:creationId xmlns:p14="http://schemas.microsoft.com/office/powerpoint/2010/main" val="4136308194"/>
+        <p14:creationId xmlns:p14="http://schemas.microsoft.com/office/powerpoint/2010/main" val="48368645"/>
       </p:ext>
     </p:extLst>
   </p:cSld>
@@ -1228,7 +1228,7 @@
           <p:cNvPr id="2" name="标题 1">
             <a:extLst>
               <a:ext uri="{FF2B5EF4-FFF2-40B4-BE49-F238E27FC236}">
-                <a16:creationId xmlns:a16="http://schemas.microsoft.com/office/drawing/2014/main" id="{C096F1EF-1078-0C11-1BD8-396C6304DF1C}"/>
+                <a16:creationId xmlns:a16="http://schemas.microsoft.com/office/drawing/2014/main" id="{041539E5-8C33-2862-9829-84AA7A68C99B}"/>
               </a:ext>
             </a:extLst>
           </p:cNvPr>
@@ -1256,7 +1256,7 @@
           <p:cNvPr id="3" name="内容占位符 2">
             <a:extLst>
               <a:ext uri="{FF2B5EF4-FFF2-40B4-BE49-F238E27FC236}">
-                <a16:creationId xmlns:a16="http://schemas.microsoft.com/office/drawing/2014/main" id="{29183AB8-63B9-4A20-955A-261E8FB1E25E}"/>
+                <a16:creationId xmlns:a16="http://schemas.microsoft.com/office/drawing/2014/main" id="{02F38464-303B-4289-BF98-EE2129301FD3}"/>
               </a:ext>
             </a:extLst>
           </p:cNvPr>
@@ -1318,7 +1318,7 @@
           <p:cNvPr id="4" name="内容占位符 3">
             <a:extLst>
               <a:ext uri="{FF2B5EF4-FFF2-40B4-BE49-F238E27FC236}">
-                <a16:creationId xmlns:a16="http://schemas.microsoft.com/office/drawing/2014/main" id="{D1DF7606-F91B-A822-5A24-6C360B8BB283}"/>
+                <a16:creationId xmlns:a16="http://schemas.microsoft.com/office/drawing/2014/main" id="{FF0FA400-C2F6-12A9-84F7-823E99E42CAE}"/>
               </a:ext>
             </a:extLst>
           </p:cNvPr>
@@ -1380,7 +1380,7 @@
           <p:cNvPr id="5" name="日期占位符 4">
             <a:extLst>
               <a:ext uri="{FF2B5EF4-FFF2-40B4-BE49-F238E27FC236}">
-                <a16:creationId xmlns:a16="http://schemas.microsoft.com/office/drawing/2014/main" id="{74C9EE72-A9CB-31F0-DEE6-6CAC376CCA2E}"/>
+                <a16:creationId xmlns:a16="http://schemas.microsoft.com/office/drawing/2014/main" id="{805F44EF-39D5-3576-D718-1DC17489F4E5}"/>
               </a:ext>
             </a:extLst>
           </p:cNvPr>
@@ -1396,7 +1396,7 @@
           <a:bodyPr/>
           <a:lstStyle/>
           <a:p>
-            <a:fld id="{D565CCC6-E171-4D13-B9F9-7D1475FA9A7D}" type="datetimeFigureOut">
+            <a:fld id="{7F71A567-575A-4707-8B9C-734C1C5BFB32}" type="datetimeFigureOut">
               <a:rPr lang="zh-CN" altLang="en-US" smtClean="0"/>
               <a:t>2024/3/10</a:t>
             </a:fld>
@@ -1409,7 +1409,7 @@
           <p:cNvPr id="6" name="页脚占位符 5">
             <a:extLst>
               <a:ext uri="{FF2B5EF4-FFF2-40B4-BE49-F238E27FC236}">
-                <a16:creationId xmlns:a16="http://schemas.microsoft.com/office/drawing/2014/main" id="{953B0732-17DB-0761-9346-54250A77E909}"/>
+                <a16:creationId xmlns:a16="http://schemas.microsoft.com/office/drawing/2014/main" id="{42BA71FA-4536-5096-D330-004BE831D970}"/>
               </a:ext>
             </a:extLst>
           </p:cNvPr>
@@ -1434,7 +1434,7 @@
           <p:cNvPr id="7" name="灯片编号占位符 6">
             <a:extLst>
               <a:ext uri="{FF2B5EF4-FFF2-40B4-BE49-F238E27FC236}">
-                <a16:creationId xmlns:a16="http://schemas.microsoft.com/office/drawing/2014/main" id="{1B6B6D4C-9219-CE81-7D08-0A85CE88F3E3}"/>
+                <a16:creationId xmlns:a16="http://schemas.microsoft.com/office/drawing/2014/main" id="{54226CD3-0320-84B1-A8ED-B8870B8CFF3B}"/>
               </a:ext>
             </a:extLst>
           </p:cNvPr>
@@ -1450,7 +1450,7 @@
           <a:bodyPr/>
           <a:lstStyle/>
           <a:p>
-            <a:fld id="{30D9080D-579D-4D14-87EE-33BF5327FEEC}" type="slidenum">
+            <a:fld id="{C3B73EED-1DA1-45BD-A2A8-B3B91B4BB1DB}" type="slidenum">
               <a:rPr lang="zh-CN" altLang="en-US" smtClean="0"/>
               <a:t>‹#›</a:t>
             </a:fld>
@@ -1461,7 +1461,7 @@
     </p:spTree>
     <p:extLst>
       <p:ext uri="{BB962C8B-B14F-4D97-AF65-F5344CB8AC3E}">
-        <p14:creationId xmlns:p14="http://schemas.microsoft.com/office/powerpoint/2010/main" val="1690540887"/>
+        <p14:creationId xmlns:p14="http://schemas.microsoft.com/office/powerpoint/2010/main" val="3210127864"/>
       </p:ext>
     </p:extLst>
   </p:cSld>
@@ -1493,7 +1493,7 @@
           <p:cNvPr id="2" name="标题 1">
             <a:extLst>
               <a:ext uri="{FF2B5EF4-FFF2-40B4-BE49-F238E27FC236}">
-                <a16:creationId xmlns:a16="http://schemas.microsoft.com/office/drawing/2014/main" id="{59C7B8E0-1A9B-FBA3-EF15-D2CD0CF38915}"/>
+                <a16:creationId xmlns:a16="http://schemas.microsoft.com/office/drawing/2014/main" id="{AF3ED14D-18AE-8106-0C81-81307B0A3E18}"/>
               </a:ext>
             </a:extLst>
           </p:cNvPr>
@@ -1526,7 +1526,7 @@
           <p:cNvPr id="3" name="文本占位符 2">
             <a:extLst>
               <a:ext uri="{FF2B5EF4-FFF2-40B4-BE49-F238E27FC236}">
-                <a16:creationId xmlns:a16="http://schemas.microsoft.com/office/drawing/2014/main" id="{58C6043F-7314-7096-393D-2295E6F67746}"/>
+                <a16:creationId xmlns:a16="http://schemas.microsoft.com/office/drawing/2014/main" id="{24F3FE86-2E80-1C2B-33D9-30B2EF85766C}"/>
               </a:ext>
             </a:extLst>
           </p:cNvPr>
@@ -1597,7 +1597,7 @@
           <p:cNvPr id="4" name="内容占位符 3">
             <a:extLst>
               <a:ext uri="{FF2B5EF4-FFF2-40B4-BE49-F238E27FC236}">
-                <a16:creationId xmlns:a16="http://schemas.microsoft.com/office/drawing/2014/main" id="{39424E28-B0F4-4B39-2051-ADA31D064F72}"/>
+                <a16:creationId xmlns:a16="http://schemas.microsoft.com/office/drawing/2014/main" id="{446DEA5C-809E-7D88-29AD-052136DDBAC6}"/>
               </a:ext>
             </a:extLst>
           </p:cNvPr>
@@ -1659,7 +1659,7 @@
           <p:cNvPr id="5" name="文本占位符 4">
             <a:extLst>
               <a:ext uri="{FF2B5EF4-FFF2-40B4-BE49-F238E27FC236}">
-                <a16:creationId xmlns:a16="http://schemas.microsoft.com/office/drawing/2014/main" id="{0C86E456-7A4F-4E7A-CC75-13ECC086EB6A}"/>
+                <a16:creationId xmlns:a16="http://schemas.microsoft.com/office/drawing/2014/main" id="{0A792688-1232-1397-9C72-4F0556657902}"/>
               </a:ext>
             </a:extLst>
           </p:cNvPr>
@@ -1730,7 +1730,7 @@
           <p:cNvPr id="6" name="内容占位符 5">
             <a:extLst>
               <a:ext uri="{FF2B5EF4-FFF2-40B4-BE49-F238E27FC236}">
-                <a16:creationId xmlns:a16="http://schemas.microsoft.com/office/drawing/2014/main" id="{9D4E50FA-34E6-90AA-2225-25998943052D}"/>
+                <a16:creationId xmlns:a16="http://schemas.microsoft.com/office/drawing/2014/main" id="{1D453861-1D8D-CBB7-BABD-DFAADEDCC08A}"/>
               </a:ext>
             </a:extLst>
           </p:cNvPr>
@@ -1792,7 +1792,7 @@
           <p:cNvPr id="7" name="日期占位符 6">
             <a:extLst>
               <a:ext uri="{FF2B5EF4-FFF2-40B4-BE49-F238E27FC236}">
-                <a16:creationId xmlns:a16="http://schemas.microsoft.com/office/drawing/2014/main" id="{A434B7F4-6E15-722B-8BAE-393F5E55CD6E}"/>
+                <a16:creationId xmlns:a16="http://schemas.microsoft.com/office/drawing/2014/main" id="{84AC0EFB-8A5F-3938-D825-311E46C5E09F}"/>
               </a:ext>
             </a:extLst>
           </p:cNvPr>
@@ -1808,7 +1808,7 @@
           <a:bodyPr/>
           <a:lstStyle/>
           <a:p>
-            <a:fld id="{D565CCC6-E171-4D13-B9F9-7D1475FA9A7D}" type="datetimeFigureOut">
+            <a:fld id="{7F71A567-575A-4707-8B9C-734C1C5BFB32}" type="datetimeFigureOut">
               <a:rPr lang="zh-CN" altLang="en-US" smtClean="0"/>
               <a:t>2024/3/10</a:t>
             </a:fld>
@@ -1821,7 +1821,7 @@
           <p:cNvPr id="8" name="页脚占位符 7">
             <a:extLst>
               <a:ext uri="{FF2B5EF4-FFF2-40B4-BE49-F238E27FC236}">
-                <a16:creationId xmlns:a16="http://schemas.microsoft.com/office/drawing/2014/main" id="{5705CF94-1CFA-9A87-7418-F857C5FE0B54}"/>
+                <a16:creationId xmlns:a16="http://schemas.microsoft.com/office/drawing/2014/main" id="{ED34FA29-0AB6-1EEB-507F-AB931BB8B732}"/>
               </a:ext>
             </a:extLst>
           </p:cNvPr>
@@ -1846,7 +1846,7 @@
           <p:cNvPr id="9" name="灯片编号占位符 8">
             <a:extLst>
               <a:ext uri="{FF2B5EF4-FFF2-40B4-BE49-F238E27FC236}">
-                <a16:creationId xmlns:a16="http://schemas.microsoft.com/office/drawing/2014/main" id="{EA4E1C96-9BD4-78CB-A204-CC370116AD52}"/>
+                <a16:creationId xmlns:a16="http://schemas.microsoft.com/office/drawing/2014/main" id="{C07BEF00-CB5C-904A-2493-54DB74E121C6}"/>
               </a:ext>
             </a:extLst>
           </p:cNvPr>
@@ -1862,7 +1862,7 @@
           <a:bodyPr/>
           <a:lstStyle/>
           <a:p>
-            <a:fld id="{30D9080D-579D-4D14-87EE-33BF5327FEEC}" type="slidenum">
+            <a:fld id="{C3B73EED-1DA1-45BD-A2A8-B3B91B4BB1DB}" type="slidenum">
               <a:rPr lang="zh-CN" altLang="en-US" smtClean="0"/>
               <a:t>‹#›</a:t>
             </a:fld>
@@ -1873,7 +1873,7 @@
     </p:spTree>
     <p:extLst>
       <p:ext uri="{BB962C8B-B14F-4D97-AF65-F5344CB8AC3E}">
-        <p14:creationId xmlns:p14="http://schemas.microsoft.com/office/powerpoint/2010/main" val="2213396918"/>
+        <p14:creationId xmlns:p14="http://schemas.microsoft.com/office/powerpoint/2010/main" val="2565681834"/>
       </p:ext>
     </p:extLst>
   </p:cSld>
@@ -1905,7 +1905,7 @@
           <p:cNvPr id="2" name="标题 1">
             <a:extLst>
               <a:ext uri="{FF2B5EF4-FFF2-40B4-BE49-F238E27FC236}">
-                <a16:creationId xmlns:a16="http://schemas.microsoft.com/office/drawing/2014/main" id="{DA466741-26DE-0135-0B26-C77CD95068CF}"/>
+                <a16:creationId xmlns:a16="http://schemas.microsoft.com/office/drawing/2014/main" id="{C787AED2-232D-6164-4157-B0668C9CE82C}"/>
               </a:ext>
             </a:extLst>
           </p:cNvPr>
@@ -1933,7 +1933,7 @@
           <p:cNvPr id="3" name="日期占位符 2">
             <a:extLst>
               <a:ext uri="{FF2B5EF4-FFF2-40B4-BE49-F238E27FC236}">
-                <a16:creationId xmlns:a16="http://schemas.microsoft.com/office/drawing/2014/main" id="{0AAAFF5F-5A33-1658-BEA1-D13049FB02F3}"/>
+                <a16:creationId xmlns:a16="http://schemas.microsoft.com/office/drawing/2014/main" id="{B63A3EAB-D20A-96BB-E1DA-FF53C82AEFC7}"/>
               </a:ext>
             </a:extLst>
           </p:cNvPr>
@@ -1949,7 +1949,7 @@
           <a:bodyPr/>
           <a:lstStyle/>
           <a:p>
-            <a:fld id="{D565CCC6-E171-4D13-B9F9-7D1475FA9A7D}" type="datetimeFigureOut">
+            <a:fld id="{7F71A567-575A-4707-8B9C-734C1C5BFB32}" type="datetimeFigureOut">
               <a:rPr lang="zh-CN" altLang="en-US" smtClean="0"/>
               <a:t>2024/3/10</a:t>
             </a:fld>
@@ -1962,7 +1962,7 @@
           <p:cNvPr id="4" name="页脚占位符 3">
             <a:extLst>
               <a:ext uri="{FF2B5EF4-FFF2-40B4-BE49-F238E27FC236}">
-                <a16:creationId xmlns:a16="http://schemas.microsoft.com/office/drawing/2014/main" id="{C2EC3946-59E9-9E67-A34C-CDD369A5AFF9}"/>
+                <a16:creationId xmlns:a16="http://schemas.microsoft.com/office/drawing/2014/main" id="{4E64B489-D373-D5CA-9A7E-E23748EF79E8}"/>
               </a:ext>
             </a:extLst>
           </p:cNvPr>
@@ -1987,7 +1987,7 @@
           <p:cNvPr id="5" name="灯片编号占位符 4">
             <a:extLst>
               <a:ext uri="{FF2B5EF4-FFF2-40B4-BE49-F238E27FC236}">
-                <a16:creationId xmlns:a16="http://schemas.microsoft.com/office/drawing/2014/main" id="{528B08FD-1247-54A9-49BC-522DEBA615E3}"/>
+                <a16:creationId xmlns:a16="http://schemas.microsoft.com/office/drawing/2014/main" id="{6C11C783-6ED0-9904-5EF1-498B85485A7E}"/>
               </a:ext>
             </a:extLst>
           </p:cNvPr>
@@ -2003,7 +2003,7 @@
           <a:bodyPr/>
           <a:lstStyle/>
           <a:p>
-            <a:fld id="{30D9080D-579D-4D14-87EE-33BF5327FEEC}" type="slidenum">
+            <a:fld id="{C3B73EED-1DA1-45BD-A2A8-B3B91B4BB1DB}" type="slidenum">
               <a:rPr lang="zh-CN" altLang="en-US" smtClean="0"/>
               <a:t>‹#›</a:t>
             </a:fld>
@@ -2014,7 +2014,7 @@
     </p:spTree>
     <p:extLst>
       <p:ext uri="{BB962C8B-B14F-4D97-AF65-F5344CB8AC3E}">
-        <p14:creationId xmlns:p14="http://schemas.microsoft.com/office/powerpoint/2010/main" val="1124516379"/>
+        <p14:creationId xmlns:p14="http://schemas.microsoft.com/office/powerpoint/2010/main" val="572974285"/>
       </p:ext>
     </p:extLst>
   </p:cSld>
@@ -2046,7 +2046,7 @@
           <p:cNvPr id="2" name="日期占位符 1">
             <a:extLst>
               <a:ext uri="{FF2B5EF4-FFF2-40B4-BE49-F238E27FC236}">
-                <a16:creationId xmlns:a16="http://schemas.microsoft.com/office/drawing/2014/main" id="{76A158C9-33CD-BEF0-F206-1ECA0386AFA0}"/>
+                <a16:creationId xmlns:a16="http://schemas.microsoft.com/office/drawing/2014/main" id="{6F43A837-0640-0278-30EA-3A6F349CAC14}"/>
               </a:ext>
             </a:extLst>
           </p:cNvPr>
@@ -2062,7 +2062,7 @@
           <a:bodyPr/>
           <a:lstStyle/>
           <a:p>
-            <a:fld id="{D565CCC6-E171-4D13-B9F9-7D1475FA9A7D}" type="datetimeFigureOut">
+            <a:fld id="{7F71A567-575A-4707-8B9C-734C1C5BFB32}" type="datetimeFigureOut">
               <a:rPr lang="zh-CN" altLang="en-US" smtClean="0"/>
               <a:t>2024/3/10</a:t>
             </a:fld>
@@ -2075,7 +2075,7 @@
           <p:cNvPr id="3" name="页脚占位符 2">
             <a:extLst>
               <a:ext uri="{FF2B5EF4-FFF2-40B4-BE49-F238E27FC236}">
-                <a16:creationId xmlns:a16="http://schemas.microsoft.com/office/drawing/2014/main" id="{B679086E-3B0D-15BD-6FFB-685BCB2E8D7B}"/>
+                <a16:creationId xmlns:a16="http://schemas.microsoft.com/office/drawing/2014/main" id="{E9AB34C2-9AB4-1312-93ED-45D62B1DDBAE}"/>
               </a:ext>
             </a:extLst>
           </p:cNvPr>
@@ -2100,7 +2100,7 @@
           <p:cNvPr id="4" name="灯片编号占位符 3">
             <a:extLst>
               <a:ext uri="{FF2B5EF4-FFF2-40B4-BE49-F238E27FC236}">
-                <a16:creationId xmlns:a16="http://schemas.microsoft.com/office/drawing/2014/main" id="{DB87A92A-13CD-ADA2-A2C5-E67AC1D99431}"/>
+                <a16:creationId xmlns:a16="http://schemas.microsoft.com/office/drawing/2014/main" id="{20ABC893-12B1-F6A6-20A7-2D0FB310606D}"/>
               </a:ext>
             </a:extLst>
           </p:cNvPr>
@@ -2116,7 +2116,7 @@
           <a:bodyPr/>
           <a:lstStyle/>
           <a:p>
-            <a:fld id="{30D9080D-579D-4D14-87EE-33BF5327FEEC}" type="slidenum">
+            <a:fld id="{C3B73EED-1DA1-45BD-A2A8-B3B91B4BB1DB}" type="slidenum">
               <a:rPr lang="zh-CN" altLang="en-US" smtClean="0"/>
               <a:t>‹#›</a:t>
             </a:fld>
@@ -2127,7 +2127,7 @@
     </p:spTree>
     <p:extLst>
       <p:ext uri="{BB962C8B-B14F-4D97-AF65-F5344CB8AC3E}">
-        <p14:creationId xmlns:p14="http://schemas.microsoft.com/office/powerpoint/2010/main" val="4287463528"/>
+        <p14:creationId xmlns:p14="http://schemas.microsoft.com/office/powerpoint/2010/main" val="2731055863"/>
       </p:ext>
     </p:extLst>
   </p:cSld>
@@ -2159,7 +2159,7 @@
           <p:cNvPr id="2" name="标题 1">
             <a:extLst>
               <a:ext uri="{FF2B5EF4-FFF2-40B4-BE49-F238E27FC236}">
-                <a16:creationId xmlns:a16="http://schemas.microsoft.com/office/drawing/2014/main" id="{F455C2E3-FAEA-77F8-CEC0-ABAA1EA30578}"/>
+                <a16:creationId xmlns:a16="http://schemas.microsoft.com/office/drawing/2014/main" id="{4944F5E2-9C04-EA7D-763F-8E017CF1D214}"/>
               </a:ext>
             </a:extLst>
           </p:cNvPr>
@@ -2196,7 +2196,7 @@
           <p:cNvPr id="3" name="内容占位符 2">
             <a:extLst>
               <a:ext uri="{FF2B5EF4-FFF2-40B4-BE49-F238E27FC236}">
-                <a16:creationId xmlns:a16="http://schemas.microsoft.com/office/drawing/2014/main" id="{1E037160-538A-57AA-3329-A87C9CF327B6}"/>
+                <a16:creationId xmlns:a16="http://schemas.microsoft.com/office/drawing/2014/main" id="{0FC02495-EA1F-F149-A308-5F7E9D23E63E}"/>
               </a:ext>
             </a:extLst>
           </p:cNvPr>
@@ -2286,7 +2286,7 @@
           <p:cNvPr id="4" name="文本占位符 3">
             <a:extLst>
               <a:ext uri="{FF2B5EF4-FFF2-40B4-BE49-F238E27FC236}">
-                <a16:creationId xmlns:a16="http://schemas.microsoft.com/office/drawing/2014/main" id="{DB5851AB-0562-E105-75C1-3FEEEAC22583}"/>
+                <a16:creationId xmlns:a16="http://schemas.microsoft.com/office/drawing/2014/main" id="{2D1CB262-EA00-18E8-9905-97595D245101}"/>
               </a:ext>
             </a:extLst>
           </p:cNvPr>
@@ -2357,7 +2357,7 @@
           <p:cNvPr id="5" name="日期占位符 4">
             <a:extLst>
               <a:ext uri="{FF2B5EF4-FFF2-40B4-BE49-F238E27FC236}">
-                <a16:creationId xmlns:a16="http://schemas.microsoft.com/office/drawing/2014/main" id="{CF127CD9-A5A2-E575-74A6-24B3AD9AA324}"/>
+                <a16:creationId xmlns:a16="http://schemas.microsoft.com/office/drawing/2014/main" id="{447E116D-2C4C-F2D0-67D1-DA17AC346C6E}"/>
               </a:ext>
             </a:extLst>
           </p:cNvPr>
@@ -2373,7 +2373,7 @@
           <a:bodyPr/>
           <a:lstStyle/>
           <a:p>
-            <a:fld id="{D565CCC6-E171-4D13-B9F9-7D1475FA9A7D}" type="datetimeFigureOut">
+            <a:fld id="{7F71A567-575A-4707-8B9C-734C1C5BFB32}" type="datetimeFigureOut">
               <a:rPr lang="zh-CN" altLang="en-US" smtClean="0"/>
               <a:t>2024/3/10</a:t>
             </a:fld>
@@ -2386,7 +2386,7 @@
           <p:cNvPr id="6" name="页脚占位符 5">
             <a:extLst>
               <a:ext uri="{FF2B5EF4-FFF2-40B4-BE49-F238E27FC236}">
-                <a16:creationId xmlns:a16="http://schemas.microsoft.com/office/drawing/2014/main" id="{F9D4DB6B-E855-0C16-76E9-E695C79A0A9B}"/>
+                <a16:creationId xmlns:a16="http://schemas.microsoft.com/office/drawing/2014/main" id="{B43AB52A-C8B2-2BE9-022F-FFA44E8ED466}"/>
               </a:ext>
             </a:extLst>
           </p:cNvPr>
@@ -2411,7 +2411,7 @@
           <p:cNvPr id="7" name="灯片编号占位符 6">
             <a:extLst>
               <a:ext uri="{FF2B5EF4-FFF2-40B4-BE49-F238E27FC236}">
-                <a16:creationId xmlns:a16="http://schemas.microsoft.com/office/drawing/2014/main" id="{1FE9BC13-CE46-D75D-7328-07E5E74F9AFB}"/>
+                <a16:creationId xmlns:a16="http://schemas.microsoft.com/office/drawing/2014/main" id="{A809E7BD-9D70-F103-CFB7-6FDC02CC69B0}"/>
               </a:ext>
             </a:extLst>
           </p:cNvPr>
@@ -2427,7 +2427,7 @@
           <a:bodyPr/>
           <a:lstStyle/>
           <a:p>
-            <a:fld id="{30D9080D-579D-4D14-87EE-33BF5327FEEC}" type="slidenum">
+            <a:fld id="{C3B73EED-1DA1-45BD-A2A8-B3B91B4BB1DB}" type="slidenum">
               <a:rPr lang="zh-CN" altLang="en-US" smtClean="0"/>
               <a:t>‹#›</a:t>
             </a:fld>
@@ -2438,7 +2438,7 @@
     </p:spTree>
     <p:extLst>
       <p:ext uri="{BB962C8B-B14F-4D97-AF65-F5344CB8AC3E}">
-        <p14:creationId xmlns:p14="http://schemas.microsoft.com/office/powerpoint/2010/main" val="3880541284"/>
+        <p14:creationId xmlns:p14="http://schemas.microsoft.com/office/powerpoint/2010/main" val="2890860864"/>
       </p:ext>
     </p:extLst>
   </p:cSld>
@@ -2470,7 +2470,7 @@
           <p:cNvPr id="2" name="标题 1">
             <a:extLst>
               <a:ext uri="{FF2B5EF4-FFF2-40B4-BE49-F238E27FC236}">
-                <a16:creationId xmlns:a16="http://schemas.microsoft.com/office/drawing/2014/main" id="{23E47724-A4FB-C7E6-F11E-010BE6F3866C}"/>
+                <a16:creationId xmlns:a16="http://schemas.microsoft.com/office/drawing/2014/main" id="{BC22476C-BD3B-9FDB-FA65-9C8D5504B21D}"/>
               </a:ext>
             </a:extLst>
           </p:cNvPr>
@@ -2507,7 +2507,7 @@
           <p:cNvPr id="3" name="图片占位符 2">
             <a:extLst>
               <a:ext uri="{FF2B5EF4-FFF2-40B4-BE49-F238E27FC236}">
-                <a16:creationId xmlns:a16="http://schemas.microsoft.com/office/drawing/2014/main" id="{AA6AEA7C-7EA8-B124-CDD1-CE716664EBB0}"/>
+                <a16:creationId xmlns:a16="http://schemas.microsoft.com/office/drawing/2014/main" id="{6444FD5E-E0A9-CF04-C7D6-13E949A39877}"/>
               </a:ext>
             </a:extLst>
           </p:cNvPr>
@@ -2574,7 +2574,7 @@
           <p:cNvPr id="4" name="文本占位符 3">
             <a:extLst>
               <a:ext uri="{FF2B5EF4-FFF2-40B4-BE49-F238E27FC236}">
-                <a16:creationId xmlns:a16="http://schemas.microsoft.com/office/drawing/2014/main" id="{EA830DF1-23B5-0357-F484-4EBEFEDAA3C0}"/>
+                <a16:creationId xmlns:a16="http://schemas.microsoft.com/office/drawing/2014/main" id="{BE61B296-F13E-7CE8-A9C9-80ABC85FA20E}"/>
               </a:ext>
             </a:extLst>
           </p:cNvPr>
@@ -2645,7 +2645,7 @@
           <p:cNvPr id="5" name="日期占位符 4">
             <a:extLst>
               <a:ext uri="{FF2B5EF4-FFF2-40B4-BE49-F238E27FC236}">
-                <a16:creationId xmlns:a16="http://schemas.microsoft.com/office/drawing/2014/main" id="{AFFC850D-BAE8-F20E-3070-1A8CF9F64762}"/>
+                <a16:creationId xmlns:a16="http://schemas.microsoft.com/office/drawing/2014/main" id="{E6960B8B-E17E-BCC1-6BDD-4A275FFFD9F4}"/>
               </a:ext>
             </a:extLst>
           </p:cNvPr>
@@ -2661,7 +2661,7 @@
           <a:bodyPr/>
           <a:lstStyle/>
           <a:p>
-            <a:fld id="{D565CCC6-E171-4D13-B9F9-7D1475FA9A7D}" type="datetimeFigureOut">
+            <a:fld id="{7F71A567-575A-4707-8B9C-734C1C5BFB32}" type="datetimeFigureOut">
               <a:rPr lang="zh-CN" altLang="en-US" smtClean="0"/>
               <a:t>2024/3/10</a:t>
             </a:fld>
@@ -2674,7 +2674,7 @@
           <p:cNvPr id="6" name="页脚占位符 5">
             <a:extLst>
               <a:ext uri="{FF2B5EF4-FFF2-40B4-BE49-F238E27FC236}">
-                <a16:creationId xmlns:a16="http://schemas.microsoft.com/office/drawing/2014/main" id="{37C8BE2A-E0CF-EA1E-4926-40D48B3D1BEC}"/>
+                <a16:creationId xmlns:a16="http://schemas.microsoft.com/office/drawing/2014/main" id="{704E2273-EA13-02F2-0D72-017DC26D9CC5}"/>
               </a:ext>
             </a:extLst>
           </p:cNvPr>
@@ -2699,7 +2699,7 @@
           <p:cNvPr id="7" name="灯片编号占位符 6">
             <a:extLst>
               <a:ext uri="{FF2B5EF4-FFF2-40B4-BE49-F238E27FC236}">
-                <a16:creationId xmlns:a16="http://schemas.microsoft.com/office/drawing/2014/main" id="{649D2453-0EE0-8AE0-BE81-5B52942EE7C4}"/>
+                <a16:creationId xmlns:a16="http://schemas.microsoft.com/office/drawing/2014/main" id="{F975D613-AA34-710F-A62B-A41A1779E7AA}"/>
               </a:ext>
             </a:extLst>
           </p:cNvPr>
@@ -2715,7 +2715,7 @@
           <a:bodyPr/>
           <a:lstStyle/>
           <a:p>
-            <a:fld id="{30D9080D-579D-4D14-87EE-33BF5327FEEC}" type="slidenum">
+            <a:fld id="{C3B73EED-1DA1-45BD-A2A8-B3B91B4BB1DB}" type="slidenum">
               <a:rPr lang="zh-CN" altLang="en-US" smtClean="0"/>
               <a:t>‹#›</a:t>
             </a:fld>
@@ -2726,7 +2726,7 @@
     </p:spTree>
     <p:extLst>
       <p:ext uri="{BB962C8B-B14F-4D97-AF65-F5344CB8AC3E}">
-        <p14:creationId xmlns:p14="http://schemas.microsoft.com/office/powerpoint/2010/main" val="1551822160"/>
+        <p14:creationId xmlns:p14="http://schemas.microsoft.com/office/powerpoint/2010/main" val="2968309486"/>
       </p:ext>
     </p:extLst>
   </p:cSld>
@@ -2763,7 +2763,7 @@
           <p:cNvPr id="2" name="标题占位符 1">
             <a:extLst>
               <a:ext uri="{FF2B5EF4-FFF2-40B4-BE49-F238E27FC236}">
-                <a16:creationId xmlns:a16="http://schemas.microsoft.com/office/drawing/2014/main" id="{640CD684-B30D-EAEA-CB3B-D987A6626329}"/>
+                <a16:creationId xmlns:a16="http://schemas.microsoft.com/office/drawing/2014/main" id="{24C063ED-F787-5418-07A1-354288A59EE4}"/>
               </a:ext>
             </a:extLst>
           </p:cNvPr>
@@ -2801,7 +2801,7 @@
           <p:cNvPr id="3" name="文本占位符 2">
             <a:extLst>
               <a:ext uri="{FF2B5EF4-FFF2-40B4-BE49-F238E27FC236}">
-                <a16:creationId xmlns:a16="http://schemas.microsoft.com/office/drawing/2014/main" id="{62D48B1D-16AC-420F-4696-A62DB45A0362}"/>
+                <a16:creationId xmlns:a16="http://schemas.microsoft.com/office/drawing/2014/main" id="{41582B73-C40C-1B6B-AAC4-9DF6EC6CDFE5}"/>
               </a:ext>
             </a:extLst>
           </p:cNvPr>
@@ -2868,7 +2868,7 @@
           <p:cNvPr id="4" name="日期占位符 3">
             <a:extLst>
               <a:ext uri="{FF2B5EF4-FFF2-40B4-BE49-F238E27FC236}">
-                <a16:creationId xmlns:a16="http://schemas.microsoft.com/office/drawing/2014/main" id="{21E65D9B-5F95-4D13-38FA-3895F5CCE7A7}"/>
+                <a16:creationId xmlns:a16="http://schemas.microsoft.com/office/drawing/2014/main" id="{6142A4A4-FE6D-EF2D-1F8E-B679EE912C2D}"/>
               </a:ext>
             </a:extLst>
           </p:cNvPr>
@@ -2902,7 +2902,7 @@
             </a:lvl1pPr>
           </a:lstStyle>
           <a:p>
-            <a:fld id="{D565CCC6-E171-4D13-B9F9-7D1475FA9A7D}" type="datetimeFigureOut">
+            <a:fld id="{7F71A567-575A-4707-8B9C-734C1C5BFB32}" type="datetimeFigureOut">
               <a:rPr lang="zh-CN" altLang="en-US" smtClean="0"/>
               <a:t>2024/3/10</a:t>
             </a:fld>
@@ -2915,7 +2915,7 @@
           <p:cNvPr id="5" name="页脚占位符 4">
             <a:extLst>
               <a:ext uri="{FF2B5EF4-FFF2-40B4-BE49-F238E27FC236}">
-                <a16:creationId xmlns:a16="http://schemas.microsoft.com/office/drawing/2014/main" id="{D66ECDF9-E466-E11E-27AE-6CB9A3A2FAB2}"/>
+                <a16:creationId xmlns:a16="http://schemas.microsoft.com/office/drawing/2014/main" id="{0E4DC9E7-9466-5497-67DF-0FBD91A86B47}"/>
               </a:ext>
             </a:extLst>
           </p:cNvPr>
@@ -2958,7 +2958,7 @@
           <p:cNvPr id="6" name="灯片编号占位符 5">
             <a:extLst>
               <a:ext uri="{FF2B5EF4-FFF2-40B4-BE49-F238E27FC236}">
-                <a16:creationId xmlns:a16="http://schemas.microsoft.com/office/drawing/2014/main" id="{161967B3-041B-D9F4-F437-1CC677DF3671}"/>
+                <a16:creationId xmlns:a16="http://schemas.microsoft.com/office/drawing/2014/main" id="{4E397D1D-A55C-65E9-DB02-56F74809AC92}"/>
               </a:ext>
             </a:extLst>
           </p:cNvPr>
@@ -2992,7 +2992,7 @@
             </a:lvl1pPr>
           </a:lstStyle>
           <a:p>
-            <a:fld id="{30D9080D-579D-4D14-87EE-33BF5327FEEC}" type="slidenum">
+            <a:fld id="{C3B73EED-1DA1-45BD-A2A8-B3B91B4BB1DB}" type="slidenum">
               <a:rPr lang="zh-CN" altLang="en-US" smtClean="0"/>
               <a:t>‹#›</a:t>
             </a:fld>
@@ -3003,7 +3003,7 @@
     </p:spTree>
     <p:extLst>
       <p:ext uri="{BB962C8B-B14F-4D97-AF65-F5344CB8AC3E}">
-        <p14:creationId xmlns:p14="http://schemas.microsoft.com/office/powerpoint/2010/main" val="3678505374"/>
+        <p14:creationId xmlns:p14="http://schemas.microsoft.com/office/powerpoint/2010/main" val="2889912000"/>
       </p:ext>
     </p:extLst>
   </p:cSld>
